--- a/Ciclo II/Implementacion/PD Presentacion C2.pptx
+++ b/Ciclo II/Implementacion/PD Presentacion C2.pptx
@@ -6390,7 +6390,7 @@
         <p:spPr>
           <a:xfrm>
             <a:off x="1755913" y="3204707"/>
-            <a:ext cx="6277296" cy="369332"/>
+            <a:ext cx="6394315" cy="369332"/>
           </a:xfrm>
           <a:prstGeom prst="rect">
             <a:avLst/>
@@ -6409,7 +6409,15 @@
             </a:pPr>
             <a:r>
               <a:rPr lang="es-CO" dirty="0"/>
-              <a:t>Se realizo la codificación y la revisión de 226 líneas de código. </a:t>
+              <a:t>Se realizo la codificación y la revisión </a:t>
+            </a:r>
+            <a:r>
+              <a:rPr lang="es-CO"/>
+              <a:t>de 1226 </a:t>
+            </a:r>
+            <a:r>
+              <a:rPr lang="es-CO" dirty="0"/>
+              <a:t>líneas de código. </a:t>
             </a:r>
           </a:p>
         </p:txBody>
